--- a/resources/instructions/screens generator.pptx
+++ b/resources/instructions/screens generator.pptx
@@ -313,7 +313,7 @@
           <a:p>
             <a:fld id="{3D0F2683-DC5F-4C11-8026-67D13E7C15A4}" type="datetimeFigureOut">
               <a:rPr lang="en-US" smtClean="0"/>
-              <a:t>1/2/2018</a:t>
+              <a:t>2/1/2018</a:t>
             </a:fld>
             <a:endParaRPr lang="en-US"/>
           </a:p>
@@ -483,7 +483,7 @@
           <a:p>
             <a:fld id="{3D0F2683-DC5F-4C11-8026-67D13E7C15A4}" type="datetimeFigureOut">
               <a:rPr lang="en-US" smtClean="0"/>
-              <a:t>1/2/2018</a:t>
+              <a:t>2/1/2018</a:t>
             </a:fld>
             <a:endParaRPr lang="en-US"/>
           </a:p>
@@ -663,7 +663,7 @@
           <a:p>
             <a:fld id="{3D0F2683-DC5F-4C11-8026-67D13E7C15A4}" type="datetimeFigureOut">
               <a:rPr lang="en-US" smtClean="0"/>
-              <a:t>1/2/2018</a:t>
+              <a:t>2/1/2018</a:t>
             </a:fld>
             <a:endParaRPr lang="en-US"/>
           </a:p>
@@ -833,7 +833,7 @@
           <a:p>
             <a:fld id="{3D0F2683-DC5F-4C11-8026-67D13E7C15A4}" type="datetimeFigureOut">
               <a:rPr lang="en-US" smtClean="0"/>
-              <a:t>1/2/2018</a:t>
+              <a:t>2/1/2018</a:t>
             </a:fld>
             <a:endParaRPr lang="en-US"/>
           </a:p>
@@ -1079,7 +1079,7 @@
           <a:p>
             <a:fld id="{3D0F2683-DC5F-4C11-8026-67D13E7C15A4}" type="datetimeFigureOut">
               <a:rPr lang="en-US" smtClean="0"/>
-              <a:t>1/2/2018</a:t>
+              <a:t>2/1/2018</a:t>
             </a:fld>
             <a:endParaRPr lang="en-US"/>
           </a:p>
@@ -1367,7 +1367,7 @@
           <a:p>
             <a:fld id="{3D0F2683-DC5F-4C11-8026-67D13E7C15A4}" type="datetimeFigureOut">
               <a:rPr lang="en-US" smtClean="0"/>
-              <a:t>1/2/2018</a:t>
+              <a:t>2/1/2018</a:t>
             </a:fld>
             <a:endParaRPr lang="en-US"/>
           </a:p>
@@ -1789,7 +1789,7 @@
           <a:p>
             <a:fld id="{3D0F2683-DC5F-4C11-8026-67D13E7C15A4}" type="datetimeFigureOut">
               <a:rPr lang="en-US" smtClean="0"/>
-              <a:t>1/2/2018</a:t>
+              <a:t>2/1/2018</a:t>
             </a:fld>
             <a:endParaRPr lang="en-US"/>
           </a:p>
@@ -1907,7 +1907,7 @@
           <a:p>
             <a:fld id="{3D0F2683-DC5F-4C11-8026-67D13E7C15A4}" type="datetimeFigureOut">
               <a:rPr lang="en-US" smtClean="0"/>
-              <a:t>1/2/2018</a:t>
+              <a:t>2/1/2018</a:t>
             </a:fld>
             <a:endParaRPr lang="en-US"/>
           </a:p>
@@ -2002,7 +2002,7 @@
           <a:p>
             <a:fld id="{3D0F2683-DC5F-4C11-8026-67D13E7C15A4}" type="datetimeFigureOut">
               <a:rPr lang="en-US" smtClean="0"/>
-              <a:t>1/2/2018</a:t>
+              <a:t>2/1/2018</a:t>
             </a:fld>
             <a:endParaRPr lang="en-US"/>
           </a:p>
@@ -2279,7 +2279,7 @@
           <a:p>
             <a:fld id="{3D0F2683-DC5F-4C11-8026-67D13E7C15A4}" type="datetimeFigureOut">
               <a:rPr lang="en-US" smtClean="0"/>
-              <a:t>1/2/2018</a:t>
+              <a:t>2/1/2018</a:t>
             </a:fld>
             <a:endParaRPr lang="en-US"/>
           </a:p>
@@ -2532,7 +2532,7 @@
           <a:p>
             <a:fld id="{3D0F2683-DC5F-4C11-8026-67D13E7C15A4}" type="datetimeFigureOut">
               <a:rPr lang="en-US" smtClean="0"/>
-              <a:t>1/2/2018</a:t>
+              <a:t>2/1/2018</a:t>
             </a:fld>
             <a:endParaRPr lang="en-US"/>
           </a:p>
@@ -2745,7 +2745,7 @@
           <a:p>
             <a:fld id="{3D0F2683-DC5F-4C11-8026-67D13E7C15A4}" type="datetimeFigureOut">
               <a:rPr lang="en-US" smtClean="0"/>
-              <a:t>1/2/2018</a:t>
+              <a:t>2/1/2018</a:t>
             </a:fld>
             <a:endParaRPr lang="en-US"/>
           </a:p>
@@ -3247,11 +3247,7 @@
             <a:pPr algn="ctr" rtl="1"/>
             <a:r>
               <a:rPr lang="he-IL" sz="2000" dirty="0" smtClean="0"/>
-              <a:t>לפני הצגת התמונות תהיה נקודת פיקסציה באמצע של המסך, אנא הסתכל עליה בתחילת </a:t>
-            </a:r>
-            <a:r>
-              <a:rPr lang="he-IL" sz="2000" dirty="0" smtClean="0"/>
-              <a:t>הניסוי.</a:t>
+              <a:t>לפני הצגת התמונות תהיה נקודת פיקסציה באמצע של המסך, אנא הסתכל עליה בתחילת הניסוי.</a:t>
             </a:r>
           </a:p>
           <a:p>
@@ -3260,7 +3256,6 @@
               <a:rPr lang="he-IL" sz="2000" dirty="0" smtClean="0"/>
               <a:t>לאחר מכן יוצגו בפניך 2 התמונות, הבט/י עליהן.</a:t>
             </a:r>
-            <a:endParaRPr lang="he-IL" sz="2000" dirty="0" smtClean="0"/>
           </a:p>
           <a:p>
             <a:pPr algn="ctr" rtl="1"/>
@@ -3278,15 +3273,15 @@
             <a:pPr algn="ctr" rtl="1"/>
             <a:r>
               <a:rPr lang="he-IL" sz="2400" b="1" dirty="0" smtClean="0"/>
-              <a:t>לאחר מכן </a:t>
-            </a:r>
-            <a:r>
-              <a:rPr lang="he-IL" sz="2400" b="1" dirty="0" smtClean="0"/>
-              <a:t>תתבקש/י </a:t>
-            </a:r>
-            <a:r>
-              <a:rPr lang="he-IL" sz="2400" b="1" dirty="0" smtClean="0"/>
-              <a:t>לדרג את המועמדים במספר בין 1 ל10.</a:t>
+              <a:t>לאחר מכן תתבקש/י לדרג את המועמדים במספר בין </a:t>
+            </a:r>
+            <a:r>
+              <a:rPr lang="he-IL" sz="2400" b="1" smtClean="0"/>
+              <a:t>1 </a:t>
+            </a:r>
+            <a:r>
+              <a:rPr lang="he-IL" sz="2400" b="1" smtClean="0"/>
+              <a:t>ל9.</a:t>
             </a:r>
             <a:r>
               <a:rPr lang="en-US" sz="2000" b="1" dirty="0" smtClean="0"/>
@@ -3297,15 +3292,7 @@
             </a:br>
             <a:r>
               <a:rPr lang="he-IL" sz="2400" b="1" dirty="0" smtClean="0"/>
-              <a:t>קודם </a:t>
-            </a:r>
-            <a:r>
-              <a:rPr lang="he-IL" sz="2400" b="1" dirty="0" smtClean="0"/>
-              <a:t>תתבקש/י </a:t>
-            </a:r>
-            <a:r>
-              <a:rPr lang="he-IL" sz="2400" b="1" dirty="0" smtClean="0"/>
-              <a:t>לדרג את התמונה </a:t>
+              <a:t>קודם תתבקש/י לדרג את התמונה </a:t>
             </a:r>
             <a:r>
               <a:rPr lang="he-IL" sz="2400" b="1" u="sng" dirty="0" smtClean="0"/>
@@ -3313,11 +3300,7 @@
             </a:r>
             <a:r>
               <a:rPr lang="he-IL" sz="2400" b="1" dirty="0" smtClean="0"/>
-              <a:t>ולאחר </a:t>
-            </a:r>
-            <a:r>
-              <a:rPr lang="he-IL" sz="2400" b="1" dirty="0" smtClean="0"/>
-              <a:t>מכן את </a:t>
+              <a:t>ולאחר מכן את </a:t>
             </a:r>
             <a:r>
               <a:rPr lang="he-IL" sz="2400" b="1" u="sng" dirty="0" smtClean="0"/>
@@ -3327,7 +3310,6 @@
               <a:rPr lang="he-IL" sz="2400" b="1" dirty="0" smtClean="0"/>
               <a:t>.</a:t>
             </a:r>
-            <a:endParaRPr lang="he-IL" sz="2400" b="1" dirty="0" smtClean="0"/>
           </a:p>
         </p:txBody>
       </p:sp>
@@ -4233,8 +4215,13 @@
             <a:pPr algn="r"/>
             <a:r>
               <a:rPr lang="he-IL" sz="3600" dirty="0" smtClean="0"/>
-              <a:t>אנא השתמש/י במספרים בלבד לדירוג המועמד/ת במספר בטווח 1 עד 10</a:t>
-            </a:r>
+              <a:t>אנא השתמש/י במספרים בלבד לדירוג המועמד/ת במספר בטווח 1 </a:t>
+            </a:r>
+            <a:r>
+              <a:rPr lang="he-IL" sz="3600" smtClean="0"/>
+              <a:t>עד 9</a:t>
+            </a:r>
+            <a:endParaRPr lang="he-IL" sz="3600" dirty="0" smtClean="0"/>
           </a:p>
           <a:p>
             <a:pPr algn="r"/>
@@ -4337,11 +4324,7 @@
             <a:pPr algn="ctr" rtl="1"/>
             <a:r>
               <a:rPr lang="he-IL" sz="2000" dirty="0" smtClean="0"/>
-              <a:t>לפני הצגת התמונות תהיה נקודת פיקסציה באמצע של המסך, אנא הסתכל עליה בתחילת </a:t>
-            </a:r>
-            <a:r>
-              <a:rPr lang="he-IL" sz="2000" dirty="0" smtClean="0"/>
-              <a:t>הניסוי.</a:t>
+              <a:t>לפני הצגת התמונות תהיה נקודת פיקסציה באמצע של המסך, אנא הסתכל עליה בתחילת הניסוי.</a:t>
             </a:r>
           </a:p>
           <a:p>
@@ -4350,7 +4333,6 @@
               <a:rPr lang="he-IL" sz="2000" dirty="0" smtClean="0"/>
               <a:t>לאחר מכן יוצגו בפניך 2 התמונות, הבט/י עליהן.</a:t>
             </a:r>
-            <a:endParaRPr lang="he-IL" sz="2000" dirty="0" smtClean="0"/>
           </a:p>
           <a:p>
             <a:pPr algn="ctr" rtl="1"/>
@@ -4368,15 +4350,15 @@
             <a:pPr algn="ctr" rtl="1"/>
             <a:r>
               <a:rPr lang="he-IL" sz="2400" b="1" dirty="0" smtClean="0"/>
-              <a:t>לאחר מכן </a:t>
+              <a:t>לאחר מכן תתבקש/י לדרג את המועמדים במספר בין 1 </a:t>
             </a:r>
             <a:r>
               <a:rPr lang="he-IL" sz="2400" b="1" dirty="0" smtClean="0"/>
-              <a:t>תתבקש/י </a:t>
+              <a:t>ל9</a:t>
             </a:r>
             <a:r>
               <a:rPr lang="he-IL" sz="2400" b="1" dirty="0" smtClean="0"/>
-              <a:t>לדרג את המועמדים במספר בין 1 ל10.</a:t>
+              <a:t>.</a:t>
             </a:r>
             <a:r>
               <a:rPr lang="en-US" sz="2000" b="1" dirty="0" smtClean="0"/>
@@ -4387,15 +4369,7 @@
             </a:br>
             <a:r>
               <a:rPr lang="he-IL" sz="2400" b="1" dirty="0" smtClean="0"/>
-              <a:t>קודם </a:t>
-            </a:r>
-            <a:r>
-              <a:rPr lang="he-IL" sz="2400" b="1" dirty="0" smtClean="0"/>
-              <a:t>תתבקש/י </a:t>
-            </a:r>
-            <a:r>
-              <a:rPr lang="he-IL" sz="2400" b="1" dirty="0" smtClean="0"/>
-              <a:t>לדרג את התמונה </a:t>
+              <a:t>קודם תתבקש/י לדרג את התמונה </a:t>
             </a:r>
             <a:r>
               <a:rPr lang="he-IL" sz="2400" b="1" u="sng" dirty="0" smtClean="0"/>
